--- a/doc/01_ペルソナ設定シート.pptx
+++ b/doc/01_ペルソナ設定シート.pptx
@@ -7,9 +7,10 @@
   <p:sldIdLst>
     <p:sldId id="256" r:id="rId2"/>
     <p:sldId id="257" r:id="rId3"/>
-    <p:sldId id="259" r:id="rId4"/>
-    <p:sldId id="260" r:id="rId5"/>
-    <p:sldId id="258" r:id="rId6"/>
+    <p:sldId id="261" r:id="rId4"/>
+    <p:sldId id="259" r:id="rId5"/>
+    <p:sldId id="260" r:id="rId6"/>
+    <p:sldId id="258" r:id="rId7"/>
   </p:sldIdLst>
   <p:sldSz cx="12192000" cy="6858000"/>
   <p:notesSz cx="6858000" cy="9144000"/>
@@ -309,7 +310,7 @@
             <a:fld id="{BF80A5BA-5808-439D-8F14-DD23526067FA}" type="datetimeFigureOut">
               <a:rPr lang="ja-JP" altLang="en-US" smtClean="0"/>
               <a:pPr/>
-              <a:t>2023/6/5</a:t>
+              <a:t>2023/6/27</a:t>
             </a:fld>
             <a:endParaRPr lang="ja-JP" altLang="en-US"/>
           </a:p>
@@ -439,7 +440,7 @@
           <a:p>
             <a:fld id="{BF80A5BA-5808-439D-8F14-DD23526067FA}" type="datetimeFigureOut">
               <a:rPr kumimoji="1" lang="ja-JP" altLang="en-US" smtClean="0"/>
-              <a:t>2023/6/5</a:t>
+              <a:t>2023/6/27</a:t>
             </a:fld>
             <a:endParaRPr kumimoji="1" lang="ja-JP" altLang="en-US"/>
           </a:p>
@@ -782,7 +783,7 @@
           <a:p>
             <a:fld id="{BF80A5BA-5808-439D-8F14-DD23526067FA}" type="datetimeFigureOut">
               <a:rPr kumimoji="1" lang="ja-JP" altLang="en-US" smtClean="0"/>
-              <a:t>2023/6/5</a:t>
+              <a:t>2023/6/27</a:t>
             </a:fld>
             <a:endParaRPr kumimoji="1" lang="ja-JP" altLang="en-US"/>
           </a:p>
@@ -1070,7 +1071,7 @@
           <a:p>
             <a:fld id="{BF80A5BA-5808-439D-8F14-DD23526067FA}" type="datetimeFigureOut">
               <a:rPr kumimoji="1" lang="ja-JP" altLang="en-US" smtClean="0"/>
-              <a:t>2023/6/5</a:t>
+              <a:t>2023/6/27</a:t>
             </a:fld>
             <a:endParaRPr kumimoji="1" lang="ja-JP" altLang="en-US"/>
           </a:p>
@@ -1300,7 +1301,7 @@
           <a:p>
             <a:fld id="{BF80A5BA-5808-439D-8F14-DD23526067FA}" type="datetimeFigureOut">
               <a:rPr kumimoji="1" lang="ja-JP" altLang="en-US" smtClean="0"/>
-              <a:t>2023/6/5</a:t>
+              <a:t>2023/6/27</a:t>
             </a:fld>
             <a:endParaRPr kumimoji="1" lang="ja-JP" altLang="en-US"/>
           </a:p>
@@ -1540,7 +1541,7 @@
           <a:p>
             <a:fld id="{BF80A5BA-5808-439D-8F14-DD23526067FA}" type="datetimeFigureOut">
               <a:rPr kumimoji="1" lang="ja-JP" altLang="en-US" smtClean="0"/>
-              <a:t>2023/6/5</a:t>
+              <a:t>2023/6/27</a:t>
             </a:fld>
             <a:endParaRPr kumimoji="1" lang="ja-JP" altLang="en-US"/>
           </a:p>
@@ -1864,7 +1865,7 @@
           <a:p>
             <a:fld id="{BF80A5BA-5808-439D-8F14-DD23526067FA}" type="datetimeFigureOut">
               <a:rPr kumimoji="1" lang="ja-JP" altLang="en-US" smtClean="0"/>
-              <a:t>2023/6/5</a:t>
+              <a:t>2023/6/27</a:t>
             </a:fld>
             <a:endParaRPr kumimoji="1" lang="ja-JP" altLang="en-US"/>
           </a:p>
@@ -2612,7 +2613,7 @@
           <a:p>
             <a:fld id="{BF80A5BA-5808-439D-8F14-DD23526067FA}" type="datetimeFigureOut">
               <a:rPr kumimoji="1" lang="ja-JP" altLang="en-US" smtClean="0"/>
-              <a:t>2023/6/5</a:t>
+              <a:t>2023/6/27</a:t>
             </a:fld>
             <a:endParaRPr kumimoji="1" lang="ja-JP" altLang="en-US"/>
           </a:p>
@@ -2933,7 +2934,7 @@
           <a:p>
             <a:fld id="{BF80A5BA-5808-439D-8F14-DD23526067FA}" type="datetimeFigureOut">
               <a:rPr kumimoji="1" lang="ja-JP" altLang="en-US" smtClean="0"/>
-              <a:t>2023/6/5</a:t>
+              <a:t>2023/6/27</a:t>
             </a:fld>
             <a:endParaRPr kumimoji="1" lang="ja-JP" altLang="en-US"/>
           </a:p>
@@ -3163,7 +3164,7 @@
           <a:p>
             <a:fld id="{BF80A5BA-5808-439D-8F14-DD23526067FA}" type="datetimeFigureOut">
               <a:rPr kumimoji="1" lang="ja-JP" altLang="en-US" smtClean="0"/>
-              <a:t>2023/6/5</a:t>
+              <a:t>2023/6/27</a:t>
             </a:fld>
             <a:endParaRPr kumimoji="1" lang="ja-JP" altLang="en-US"/>
           </a:p>
@@ -3438,7 +3439,7 @@
           <a:p>
             <a:fld id="{BF80A5BA-5808-439D-8F14-DD23526067FA}" type="datetimeFigureOut">
               <a:rPr kumimoji="1" lang="ja-JP" altLang="en-US" smtClean="0"/>
-              <a:t>2023/6/5</a:t>
+              <a:t>2023/6/27</a:t>
             </a:fld>
             <a:endParaRPr kumimoji="1" lang="ja-JP" altLang="en-US"/>
           </a:p>
@@ -3767,7 +3768,7 @@
           <a:p>
             <a:fld id="{BF80A5BA-5808-439D-8F14-DD23526067FA}" type="datetimeFigureOut">
               <a:rPr kumimoji="1" lang="ja-JP" altLang="en-US" smtClean="0"/>
-              <a:t>2023/6/5</a:t>
+              <a:t>2023/6/27</a:t>
             </a:fld>
             <a:endParaRPr kumimoji="1" lang="ja-JP" altLang="en-US"/>
           </a:p>
@@ -4243,7 +4244,7 @@
           <a:p>
             <a:fld id="{BF80A5BA-5808-439D-8F14-DD23526067FA}" type="datetimeFigureOut">
               <a:rPr kumimoji="1" lang="ja-JP" altLang="en-US" smtClean="0"/>
-              <a:t>2023/6/5</a:t>
+              <a:t>2023/6/27</a:t>
             </a:fld>
             <a:endParaRPr kumimoji="1" lang="ja-JP" altLang="en-US"/>
           </a:p>
@@ -4384,7 +4385,7 @@
           <a:p>
             <a:fld id="{BF80A5BA-5808-439D-8F14-DD23526067FA}" type="datetimeFigureOut">
               <a:rPr kumimoji="1" lang="ja-JP" altLang="en-US" smtClean="0"/>
-              <a:t>2023/6/5</a:t>
+              <a:t>2023/6/27</a:t>
             </a:fld>
             <a:endParaRPr kumimoji="1" lang="ja-JP" altLang="en-US"/>
           </a:p>
@@ -4657,7 +4658,7 @@
             <a:fld id="{BF80A5BA-5808-439D-8F14-DD23526067FA}" type="datetimeFigureOut">
               <a:rPr lang="ja-JP" altLang="en-US" smtClean="0"/>
               <a:pPr/>
-              <a:t>2023/6/5</a:t>
+              <a:t>2023/6/27</a:t>
             </a:fld>
             <a:endParaRPr lang="ja-JP" altLang="en-US"/>
           </a:p>
@@ -5558,10 +5559,10 @@
       </p:grpSpPr>
       <p:sp>
         <p:nvSpPr>
-          <p:cNvPr id="8" name="タイトル 7">
-            <a:extLst>
-              <a:ext uri="{FF2B5EF4-FFF2-40B4-BE49-F238E27FC236}">
-                <a16:creationId xmlns:a16="http://schemas.microsoft.com/office/drawing/2014/main" id="{8B3CA71F-F80C-A8D5-6522-ED124147D408}"/>
+          <p:cNvPr id="5" name="タイトル 4">
+            <a:extLst>
+              <a:ext uri="{FF2B5EF4-FFF2-40B4-BE49-F238E27FC236}">
+                <a16:creationId xmlns:a16="http://schemas.microsoft.com/office/drawing/2014/main" id="{3E6D96E0-DB69-F9DB-1909-1FFF8CDAFCD2}"/>
               </a:ext>
             </a:extLst>
           </p:cNvPr>
@@ -5577,7 +5578,278 @@
           <a:bodyPr/>
           <a:lstStyle/>
           <a:p>
-            <a:endParaRPr lang="ja-JP" altLang="en-US"/>
+            <a:r>
+              <a:rPr lang="ja-JP" altLang="en-US" dirty="0"/>
+              <a:t>発表用ペルソナ</a:t>
+            </a:r>
+          </a:p>
+        </p:txBody>
+      </p:sp>
+      <p:sp>
+        <p:nvSpPr>
+          <p:cNvPr id="6" name="コンテンツ プレースホルダー 5">
+            <a:extLst>
+              <a:ext uri="{FF2B5EF4-FFF2-40B4-BE49-F238E27FC236}">
+                <a16:creationId xmlns:a16="http://schemas.microsoft.com/office/drawing/2014/main" id="{592C0A9F-32A9-19BE-516C-A3CE839FBEB9}"/>
+              </a:ext>
+            </a:extLst>
+          </p:cNvPr>
+          <p:cNvSpPr>
+            <a:spLocks noGrp="1"/>
+          </p:cNvSpPr>
+          <p:nvPr>
+            <p:ph idx="1"/>
+          </p:nvPr>
+        </p:nvSpPr>
+        <p:spPr>
+          <a:xfrm>
+            <a:off x="3882041" y="1130531"/>
+            <a:ext cx="7922029" cy="1966629"/>
+          </a:xfrm>
+        </p:spPr>
+        <p:txBody>
+          <a:bodyPr>
+            <a:normAutofit/>
+          </a:bodyPr>
+          <a:lstStyle/>
+          <a:p>
+            <a:r>
+              <a:rPr lang="ja-JP" altLang="en-US" dirty="0"/>
+              <a:t>自身の体感や直感でその時の服装を決めてしまって、失敗した経験がある。</a:t>
+            </a:r>
+            <a:r>
+              <a:rPr lang="en-US" altLang="ja-JP" dirty="0"/>
+              <a:t>(</a:t>
+            </a:r>
+            <a:r>
+              <a:rPr lang="ja-JP" altLang="en-US" dirty="0"/>
+              <a:t>薄着で出かけて風邪を引いた、余分な上着を持って行ってしまったなど</a:t>
+            </a:r>
+            <a:r>
+              <a:rPr lang="en-US" altLang="ja-JP" dirty="0"/>
+              <a:t>)</a:t>
+            </a:r>
+          </a:p>
+          <a:p>
+            <a:r>
+              <a:rPr lang="ja-JP" altLang="en-US" dirty="0"/>
+              <a:t>集めた情報を自分の中で結合するのが難しい</a:t>
+            </a:r>
+            <a:r>
+              <a:rPr lang="en-US" altLang="ja-JP" dirty="0"/>
+              <a:t>(</a:t>
+            </a:r>
+            <a:r>
+              <a:rPr lang="ja-JP" altLang="en-US" dirty="0"/>
+              <a:t>これを解決したい</a:t>
+            </a:r>
+            <a:r>
+              <a:rPr lang="en-US" altLang="ja-JP" dirty="0"/>
+              <a:t>)</a:t>
+            </a:r>
+          </a:p>
+          <a:p>
+            <a:r>
+              <a:rPr lang="en-US" altLang="ja-JP" dirty="0"/>
+              <a:t>(</a:t>
+            </a:r>
+            <a:r>
+              <a:rPr lang="ja-JP" altLang="en-US" dirty="0"/>
+              <a:t>気温、適した服装、自分の持っている洋服の情報</a:t>
+            </a:r>
+            <a:r>
+              <a:rPr lang="en-US" altLang="ja-JP" dirty="0"/>
+              <a:t>)</a:t>
+            </a:r>
+          </a:p>
+          <a:p>
+            <a:r>
+              <a:rPr lang="ja-JP" altLang="en-US" dirty="0"/>
+              <a:t>多忙で朝中々起きれない</a:t>
+            </a:r>
+            <a:r>
+              <a:rPr lang="en-US" altLang="ja-JP" dirty="0"/>
+              <a:t>(</a:t>
+            </a:r>
+            <a:r>
+              <a:rPr lang="ja-JP" altLang="en-US" dirty="0"/>
+              <a:t>時間がとりづらい</a:t>
+            </a:r>
+            <a:r>
+              <a:rPr lang="en-US" altLang="ja-JP" dirty="0"/>
+              <a:t>)</a:t>
+            </a:r>
+          </a:p>
+          <a:p>
+            <a:r>
+              <a:rPr lang="ja-JP" altLang="en-US" dirty="0"/>
+              <a:t>スマホはよく見る</a:t>
+            </a:r>
+            <a:endParaRPr lang="en-US" altLang="ja-JP" dirty="0"/>
+          </a:p>
+          <a:p>
+            <a:r>
+              <a:rPr lang="ja-JP" altLang="en-US" dirty="0"/>
+              <a:t>朝ゆっくりする時間は欲しい</a:t>
+            </a:r>
+            <a:endParaRPr lang="en-US" altLang="ja-JP" dirty="0"/>
+          </a:p>
+          <a:p>
+            <a:endParaRPr lang="ja-JP" altLang="en-US" dirty="0"/>
+          </a:p>
+        </p:txBody>
+      </p:sp>
+      <p:pic>
+        <p:nvPicPr>
+          <p:cNvPr id="3" name="図プレースホルダー 2" descr="森の中にいる女性&#10;&#10;中程度の精度で自動的に生成された説明">
+            <a:extLst>
+              <a:ext uri="{FF2B5EF4-FFF2-40B4-BE49-F238E27FC236}">
+                <a16:creationId xmlns:a16="http://schemas.microsoft.com/office/drawing/2014/main" id="{DDB11E6B-0948-498A-AF9B-7CBE12FE818C}"/>
+              </a:ext>
+            </a:extLst>
+          </p:cNvPr>
+          <p:cNvPicPr>
+            <a:picLocks noGrp="1" noChangeAspect="1"/>
+          </p:cNvPicPr>
+          <p:nvPr>
+            <p:ph type="pic" idx="13"/>
+          </p:nvPr>
+        </p:nvPicPr>
+        <p:blipFill>
+          <a:blip r:embed="rId2">
+            <a:extLst>
+              <a:ext uri="{28A0092B-C50C-407E-A947-70E740481C1C}">
+                <a14:useLocalDpi xmlns:a14="http://schemas.microsoft.com/office/drawing/2010/main" val="0"/>
+              </a:ext>
+            </a:extLst>
+          </a:blip>
+          <a:srcRect l="1618" r="1618"/>
+          <a:stretch>
+            <a:fillRect/>
+          </a:stretch>
+        </p:blipFill>
+        <p:spPr/>
+      </p:pic>
+      <p:sp>
+        <p:nvSpPr>
+          <p:cNvPr id="8" name="コンテンツ プレースホルダー 7">
+            <a:extLst>
+              <a:ext uri="{FF2B5EF4-FFF2-40B4-BE49-F238E27FC236}">
+                <a16:creationId xmlns:a16="http://schemas.microsoft.com/office/drawing/2014/main" id="{379FC890-E959-B17C-0B67-60764F38B270}"/>
+              </a:ext>
+            </a:extLst>
+          </p:cNvPr>
+          <p:cNvSpPr>
+            <a:spLocks noGrp="1"/>
+          </p:cNvSpPr>
+          <p:nvPr>
+            <p:ph idx="14"/>
+          </p:nvPr>
+        </p:nvSpPr>
+        <p:spPr/>
+        <p:txBody>
+          <a:bodyPr/>
+          <a:lstStyle/>
+          <a:p>
+            <a:r>
+              <a:rPr lang="ja-JP" altLang="en-US" dirty="0"/>
+              <a:t>名前：鈴木園子</a:t>
+            </a:r>
+            <a:endParaRPr lang="en-US" altLang="ja-JP" dirty="0"/>
+          </a:p>
+          <a:p>
+            <a:r>
+              <a:rPr lang="ja-JP" altLang="en-US" dirty="0"/>
+              <a:t>年齢：</a:t>
+            </a:r>
+            <a:r>
+              <a:rPr lang="en-US" altLang="ja-JP" dirty="0"/>
+              <a:t>24</a:t>
+            </a:r>
+            <a:r>
+              <a:rPr lang="ja-JP" altLang="en-US" dirty="0"/>
+              <a:t>歳</a:t>
+            </a:r>
+            <a:endParaRPr lang="en-US" altLang="ja-JP" dirty="0"/>
+          </a:p>
+          <a:p>
+            <a:r>
+              <a:rPr lang="ja-JP" altLang="en-US" dirty="0"/>
+              <a:t>職業：</a:t>
+            </a:r>
+            <a:r>
+              <a:rPr lang="en-US" altLang="ja-JP" dirty="0"/>
+              <a:t>IT</a:t>
+            </a:r>
+            <a:r>
+              <a:rPr lang="ja-JP" altLang="en-US" dirty="0"/>
+              <a:t>エンジニア</a:t>
+            </a:r>
+            <a:r>
+              <a:rPr lang="en-US" altLang="ja-JP" dirty="0"/>
+              <a:t>(</a:t>
+            </a:r>
+            <a:r>
+              <a:rPr lang="ja-JP" altLang="en-US" dirty="0"/>
+              <a:t>客先常駐</a:t>
+            </a:r>
+            <a:r>
+              <a:rPr lang="en-US" altLang="ja-JP" dirty="0"/>
+              <a:t>)</a:t>
+            </a:r>
+          </a:p>
+          <a:p>
+            <a:r>
+              <a:rPr lang="ja-JP" altLang="en-US" dirty="0"/>
+              <a:t>収入：</a:t>
+            </a:r>
+            <a:r>
+              <a:rPr lang="en-US" altLang="ja-JP" dirty="0"/>
+              <a:t>400</a:t>
+            </a:r>
+            <a:r>
+              <a:rPr lang="ja-JP" altLang="en-US" dirty="0"/>
+              <a:t>万</a:t>
+            </a:r>
+            <a:endParaRPr lang="en-US" altLang="ja-JP" dirty="0"/>
+          </a:p>
+          <a:p>
+            <a:r>
+              <a:rPr lang="ja-JP" altLang="en-US" dirty="0"/>
+              <a:t>学歴：大卒</a:t>
+            </a:r>
+            <a:endParaRPr lang="en-US" altLang="ja-JP" dirty="0"/>
+          </a:p>
+          <a:p>
+            <a:r>
+              <a:rPr lang="ja-JP" altLang="en-US" dirty="0"/>
+              <a:t>出身：東京都</a:t>
+            </a:r>
+            <a:endParaRPr lang="en-US" altLang="ja-JP" dirty="0"/>
+          </a:p>
+          <a:p>
+            <a:r>
+              <a:rPr lang="ja-JP" altLang="en-US" dirty="0"/>
+              <a:t>家族：一人暮らし</a:t>
+            </a:r>
+            <a:endParaRPr lang="en-US" altLang="ja-JP" dirty="0"/>
+          </a:p>
+          <a:p>
+            <a:r>
+              <a:rPr lang="ja-JP" altLang="en-US" dirty="0"/>
+              <a:t>特徴：あまりニュースや天気予報は見ない。以前買ったものを中々思い出せない。コーディネート自体にはあまり興味がない</a:t>
+            </a:r>
+            <a:endParaRPr lang="en-US" altLang="ja-JP" dirty="0"/>
+          </a:p>
+          <a:p>
+            <a:r>
+              <a:rPr lang="ja-JP" altLang="en-US"/>
+              <a:t>オフィスカジュアルはそこまで持っていない</a:t>
+            </a:r>
+            <a:endParaRPr lang="en-US" altLang="ja-JP" dirty="0"/>
+          </a:p>
+          <a:p>
+            <a:endParaRPr lang="ja-JP" altLang="en-US" dirty="0"/>
           </a:p>
         </p:txBody>
       </p:sp>
@@ -5586,15 +5858,15 @@
           <p:cNvPr id="9" name="コンテンツ プレースホルダー 8">
             <a:extLst>
               <a:ext uri="{FF2B5EF4-FFF2-40B4-BE49-F238E27FC236}">
-                <a16:creationId xmlns:a16="http://schemas.microsoft.com/office/drawing/2014/main" id="{A4966631-77A1-2C81-1C6E-385BCA99674B}"/>
-              </a:ext>
-            </a:extLst>
-          </p:cNvPr>
-          <p:cNvSpPr>
-            <a:spLocks noGrp="1"/>
-          </p:cNvSpPr>
-          <p:nvPr>
-            <p:ph idx="1"/>
+                <a16:creationId xmlns:a16="http://schemas.microsoft.com/office/drawing/2014/main" id="{493798B9-4269-FE7D-9164-A9C163CDA212}"/>
+              </a:ext>
+            </a:extLst>
+          </p:cNvPr>
+          <p:cNvSpPr>
+            <a:spLocks noGrp="1"/>
+          </p:cNvSpPr>
+          <p:nvPr>
+            <p:ph idx="15"/>
           </p:nvPr>
         </p:nvSpPr>
         <p:spPr/>
@@ -5603,13 +5875,55 @@
           <a:lstStyle/>
           <a:p>
             <a:endParaRPr lang="ja-JP" altLang="en-US" dirty="0"/>
+          </a:p>
+        </p:txBody>
+      </p:sp>
+      <p:sp>
+        <p:nvSpPr>
+          <p:cNvPr id="10" name="コンテンツ プレースホルダー 9">
+            <a:extLst>
+              <a:ext uri="{FF2B5EF4-FFF2-40B4-BE49-F238E27FC236}">
+                <a16:creationId xmlns:a16="http://schemas.microsoft.com/office/drawing/2014/main" id="{C50AD0BA-A02F-B48B-174F-11495177E997}"/>
+              </a:ext>
+            </a:extLst>
+          </p:cNvPr>
+          <p:cNvSpPr>
+            <a:spLocks noGrp="1"/>
+          </p:cNvSpPr>
+          <p:nvPr>
+            <p:ph idx="16"/>
+          </p:nvPr>
+        </p:nvSpPr>
+        <p:spPr/>
+        <p:txBody>
+          <a:bodyPr/>
+          <a:lstStyle/>
+          <a:p>
+            <a:r>
+              <a:rPr lang="ja-JP" altLang="en-US" dirty="0"/>
+              <a:t>不満：天候や気温によっていちいちファッションを考えるのが難しい。買った服の中に似たようなものが多いと感じている。</a:t>
+            </a:r>
+            <a:endParaRPr lang="en-US" altLang="ja-JP" dirty="0"/>
+          </a:p>
+          <a:p>
+            <a:r>
+              <a:rPr lang="ja-JP" altLang="en-US" dirty="0"/>
+              <a:t>満足：</a:t>
+            </a:r>
+            <a:endParaRPr lang="en-US" altLang="ja-JP" dirty="0"/>
+          </a:p>
+          <a:p>
+            <a:r>
+              <a:rPr lang="ja-JP" altLang="en-US" dirty="0"/>
+              <a:t>欲求：仕事は忙しいが、成果を出したいので、いまは仕事にできる限り集中したい。もう少し実際に使う服だけに厳選して、買えるようにしたい。外出する機会が多いので、快適な恰好をしたい。朝は珈琲を飲んで、一息ついてから出社したい</a:t>
+            </a:r>
           </a:p>
         </p:txBody>
       </p:sp>
     </p:spTree>
     <p:extLst>
       <p:ext uri="{BB962C8B-B14F-4D97-AF65-F5344CB8AC3E}">
-        <p14:creationId xmlns:p14="http://schemas.microsoft.com/office/powerpoint/2010/main" val="330292564"/>
+        <p14:creationId xmlns:p14="http://schemas.microsoft.com/office/powerpoint/2010/main" val="2909023673"/>
       </p:ext>
     </p:extLst>
   </p:cSld>
@@ -5638,6 +5952,86 @@
       </p:grpSpPr>
       <p:sp>
         <p:nvSpPr>
+          <p:cNvPr id="8" name="タイトル 7">
+            <a:extLst>
+              <a:ext uri="{FF2B5EF4-FFF2-40B4-BE49-F238E27FC236}">
+                <a16:creationId xmlns:a16="http://schemas.microsoft.com/office/drawing/2014/main" id="{8B3CA71F-F80C-A8D5-6522-ED124147D408}"/>
+              </a:ext>
+            </a:extLst>
+          </p:cNvPr>
+          <p:cNvSpPr>
+            <a:spLocks noGrp="1"/>
+          </p:cNvSpPr>
+          <p:nvPr>
+            <p:ph type="title"/>
+          </p:nvPr>
+        </p:nvSpPr>
+        <p:spPr/>
+        <p:txBody>
+          <a:bodyPr/>
+          <a:lstStyle/>
+          <a:p>
+            <a:endParaRPr lang="ja-JP" altLang="en-US"/>
+          </a:p>
+        </p:txBody>
+      </p:sp>
+      <p:sp>
+        <p:nvSpPr>
+          <p:cNvPr id="9" name="コンテンツ プレースホルダー 8">
+            <a:extLst>
+              <a:ext uri="{FF2B5EF4-FFF2-40B4-BE49-F238E27FC236}">
+                <a16:creationId xmlns:a16="http://schemas.microsoft.com/office/drawing/2014/main" id="{A4966631-77A1-2C81-1C6E-385BCA99674B}"/>
+              </a:ext>
+            </a:extLst>
+          </p:cNvPr>
+          <p:cNvSpPr>
+            <a:spLocks noGrp="1"/>
+          </p:cNvSpPr>
+          <p:nvPr>
+            <p:ph idx="1"/>
+          </p:nvPr>
+        </p:nvSpPr>
+        <p:spPr/>
+        <p:txBody>
+          <a:bodyPr/>
+          <a:lstStyle/>
+          <a:p>
+            <a:endParaRPr lang="ja-JP" altLang="en-US" dirty="0"/>
+          </a:p>
+        </p:txBody>
+      </p:sp>
+    </p:spTree>
+    <p:extLst>
+      <p:ext uri="{BB962C8B-B14F-4D97-AF65-F5344CB8AC3E}">
+        <p14:creationId xmlns:p14="http://schemas.microsoft.com/office/powerpoint/2010/main" val="330292564"/>
+      </p:ext>
+    </p:extLst>
+  </p:cSld>
+  <p:clrMapOvr>
+    <a:masterClrMapping/>
+  </p:clrMapOvr>
+</p:sld>
+</file>
+
+<file path=ppt/slides/slide5.xml><?xml version="1.0" encoding="utf-8"?>
+<p:sld xmlns:a="http://schemas.openxmlformats.org/drawingml/2006/main" xmlns:r="http://schemas.openxmlformats.org/officeDocument/2006/relationships" xmlns:p="http://schemas.openxmlformats.org/presentationml/2006/main">
+  <p:cSld>
+    <p:spTree>
+      <p:nvGrpSpPr>
+        <p:cNvPr id="1" name=""/>
+        <p:cNvGrpSpPr/>
+        <p:nvPr/>
+      </p:nvGrpSpPr>
+      <p:grpSpPr>
+        <a:xfrm>
+          <a:off x="0" y="0"/>
+          <a:ext cx="0" cy="0"/>
+          <a:chOff x="0" y="0"/>
+          <a:chExt cx="0" cy="0"/>
+        </a:xfrm>
+      </p:grpSpPr>
+      <p:sp>
+        <p:nvSpPr>
           <p:cNvPr id="2" name="テキスト ボックス 1">
             <a:extLst>
               <a:ext uri="{FF2B5EF4-FFF2-40B4-BE49-F238E27FC236}">
@@ -5713,7 +6107,7 @@
 </p:sld>
 </file>
 
-<file path=ppt/slides/slide5.xml><?xml version="1.0" encoding="utf-8"?>
+<file path=ppt/slides/slide6.xml><?xml version="1.0" encoding="utf-8"?>
 <p:sld xmlns:a="http://schemas.openxmlformats.org/drawingml/2006/main" xmlns:r="http://schemas.openxmlformats.org/officeDocument/2006/relationships" xmlns:p="http://schemas.openxmlformats.org/presentationml/2006/main">
   <p:cSld>
     <p:spTree>
